--- a/Three_node_situation/Three_node_easy.pptx
+++ b/Three_node_situation/Three_node_easy.pptx
@@ -8789,8 +8789,8 @@
           </a:p>
         </p:txBody>
       </p:sp>
-      <mc:AlternateContent xmlns:mc="http://schemas.openxmlformats.org/markup-compatibility/2006">
-        <mc:Choice xmlns:a14="http://schemas.microsoft.com/office/drawing/2010/main" Requires="a14">
+      <mc:AlternateContent xmlns:mc="http://schemas.openxmlformats.org/markup-compatibility/2006" xmlns:a14="http://schemas.microsoft.com/office/drawing/2010/main">
+        <mc:Choice Requires="a14">
           <p:sp>
             <p:nvSpPr>
               <p:cNvPr id="3" name="文本框 2">
@@ -8819,6 +8819,7 @@
               </a:bodyPr>
               <a:lstStyle/>
               <a:p>
+                <a:pPr/>
                 <a14:m>
                   <m:oMathPara xmlns:m="http://schemas.openxmlformats.org/officeDocument/2006/math">
                     <m:oMathParaPr>
@@ -8839,7 +8840,7 @@
             </p:txBody>
           </p:sp>
         </mc:Choice>
-        <mc:Fallback>
+        <mc:Fallback xmlns="">
           <p:sp>
             <p:nvSpPr>
               <p:cNvPr id="3" name="文本框 2">
@@ -8988,8 +8989,8 @@
         </p:nvSpPr>
         <p:spPr>
           <a:xfrm>
-            <a:off x="2150862" y="5392213"/>
-            <a:ext cx="2577390" cy="369332"/>
+            <a:off x="1879159" y="5554581"/>
+            <a:ext cx="3562517" cy="369332"/>
           </a:xfrm>
           <a:prstGeom prst="rect">
             <a:avLst/>
@@ -9007,7 +9008,7 @@
                 <a:latin typeface="Times New Roman" panose="02020603050405020304" pitchFamily="18" charset="0"/>
                 <a:cs typeface="Times New Roman" panose="02020603050405020304" pitchFamily="18" charset="0"/>
               </a:rPr>
-              <a:t>Y_13 = Y_12+Y_13=2</a:t>
+              <a:t>Y_13 = 1/(1/Y_12+1/Y_13)=1/2</a:t>
             </a:r>
           </a:p>
         </p:txBody>
@@ -9359,8 +9360,8 @@
           </a:p>
         </p:txBody>
       </p:sp>
-      <mc:AlternateContent xmlns:mc="http://schemas.openxmlformats.org/markup-compatibility/2006">
-        <mc:Choice xmlns:a14="http://schemas.microsoft.com/office/drawing/2010/main" Requires="a14">
+      <mc:AlternateContent xmlns:mc="http://schemas.openxmlformats.org/markup-compatibility/2006" xmlns:a14="http://schemas.microsoft.com/office/drawing/2010/main">
+        <mc:Choice Requires="a14">
           <p:sp>
             <p:nvSpPr>
               <p:cNvPr id="6" name="文本框 5">
@@ -9389,6 +9390,7 @@
               </a:bodyPr>
               <a:lstStyle/>
               <a:p>
+                <a:pPr/>
                 <a14:m>
                   <m:oMathPara xmlns:m="http://schemas.openxmlformats.org/officeDocument/2006/math">
                     <m:oMathParaPr>
@@ -9410,7 +9412,7 @@
             </p:txBody>
           </p:sp>
         </mc:Choice>
-        <mc:Fallback>
+        <mc:Fallback xmlns="">
           <p:sp>
             <p:nvSpPr>
               <p:cNvPr id="6" name="文本框 5">
